--- a/ppt/Chen_Zhang_T1A3.pptx
+++ b/ppt/Chen_Zhang_T1A3.pptx
@@ -10,7 +10,8 @@
     <p:sldId id="258" r:id="rId4"/>
     <p:sldId id="259" r:id="rId5"/>
     <p:sldId id="260" r:id="rId6"/>
-    <p:sldId id="261" r:id="rId7"/>
+    <p:sldId id="262" r:id="rId7"/>
+    <p:sldId id="261" r:id="rId8"/>
   </p:sldIdLst>
   <p:sldSz cx="12192000" cy="6858000"/>
   <p:notesSz cx="6858000" cy="9144000"/>
@@ -109,6 +110,11 @@
       </a:defRPr>
     </a:lvl9pPr>
   </p:defaultTextStyle>
+  <p:extLst>
+    <p:ext uri="{EFAFB233-063F-42B5-8137-9DF3F51BA10A}">
+      <p15:sldGuideLst xmlns:p15="http://schemas.microsoft.com/office/powerpoint/2012/main"/>
+    </p:ext>
+  </p:extLst>
 </p:presentation>
 </file>
 
@@ -243,7 +249,7 @@
           <a:p>
             <a:fld id="{996CF3AE-3C6A-49F6-9C30-FE902A68F638}" type="datetimeFigureOut">
               <a:rPr lang="zh-CN" altLang="en-US" smtClean="0"/>
-              <a:t>2022/4/18</a:t>
+              <a:t>2022/4/19</a:t>
             </a:fld>
             <a:endParaRPr lang="zh-CN" altLang="en-US"/>
           </a:p>
@@ -413,7 +419,7 @@
           <a:p>
             <a:fld id="{996CF3AE-3C6A-49F6-9C30-FE902A68F638}" type="datetimeFigureOut">
               <a:rPr lang="zh-CN" altLang="en-US" smtClean="0"/>
-              <a:t>2022/4/18</a:t>
+              <a:t>2022/4/19</a:t>
             </a:fld>
             <a:endParaRPr lang="zh-CN" altLang="en-US"/>
           </a:p>
@@ -593,7 +599,7 @@
           <a:p>
             <a:fld id="{996CF3AE-3C6A-49F6-9C30-FE902A68F638}" type="datetimeFigureOut">
               <a:rPr lang="zh-CN" altLang="en-US" smtClean="0"/>
-              <a:t>2022/4/18</a:t>
+              <a:t>2022/4/19</a:t>
             </a:fld>
             <a:endParaRPr lang="zh-CN" altLang="en-US"/>
           </a:p>
@@ -763,7 +769,7 @@
           <a:p>
             <a:fld id="{996CF3AE-3C6A-49F6-9C30-FE902A68F638}" type="datetimeFigureOut">
               <a:rPr lang="zh-CN" altLang="en-US" smtClean="0"/>
-              <a:t>2022/4/18</a:t>
+              <a:t>2022/4/19</a:t>
             </a:fld>
             <a:endParaRPr lang="zh-CN" altLang="en-US"/>
           </a:p>
@@ -1009,7 +1015,7 @@
           <a:p>
             <a:fld id="{996CF3AE-3C6A-49F6-9C30-FE902A68F638}" type="datetimeFigureOut">
               <a:rPr lang="zh-CN" altLang="en-US" smtClean="0"/>
-              <a:t>2022/4/18</a:t>
+              <a:t>2022/4/19</a:t>
             </a:fld>
             <a:endParaRPr lang="zh-CN" altLang="en-US"/>
           </a:p>
@@ -1241,7 +1247,7 @@
           <a:p>
             <a:fld id="{996CF3AE-3C6A-49F6-9C30-FE902A68F638}" type="datetimeFigureOut">
               <a:rPr lang="zh-CN" altLang="en-US" smtClean="0"/>
-              <a:t>2022/4/18</a:t>
+              <a:t>2022/4/19</a:t>
             </a:fld>
             <a:endParaRPr lang="zh-CN" altLang="en-US"/>
           </a:p>
@@ -1608,7 +1614,7 @@
           <a:p>
             <a:fld id="{996CF3AE-3C6A-49F6-9C30-FE902A68F638}" type="datetimeFigureOut">
               <a:rPr lang="zh-CN" altLang="en-US" smtClean="0"/>
-              <a:t>2022/4/18</a:t>
+              <a:t>2022/4/19</a:t>
             </a:fld>
             <a:endParaRPr lang="zh-CN" altLang="en-US"/>
           </a:p>
@@ -1726,7 +1732,7 @@
           <a:p>
             <a:fld id="{996CF3AE-3C6A-49F6-9C30-FE902A68F638}" type="datetimeFigureOut">
               <a:rPr lang="zh-CN" altLang="en-US" smtClean="0"/>
-              <a:t>2022/4/18</a:t>
+              <a:t>2022/4/19</a:t>
             </a:fld>
             <a:endParaRPr lang="zh-CN" altLang="en-US"/>
           </a:p>
@@ -1821,7 +1827,7 @@
           <a:p>
             <a:fld id="{996CF3AE-3C6A-49F6-9C30-FE902A68F638}" type="datetimeFigureOut">
               <a:rPr lang="zh-CN" altLang="en-US" smtClean="0"/>
-              <a:t>2022/4/18</a:t>
+              <a:t>2022/4/19</a:t>
             </a:fld>
             <a:endParaRPr lang="zh-CN" altLang="en-US"/>
           </a:p>
@@ -2098,7 +2104,7 @@
           <a:p>
             <a:fld id="{996CF3AE-3C6A-49F6-9C30-FE902A68F638}" type="datetimeFigureOut">
               <a:rPr lang="zh-CN" altLang="en-US" smtClean="0"/>
-              <a:t>2022/4/18</a:t>
+              <a:t>2022/4/19</a:t>
             </a:fld>
             <a:endParaRPr lang="zh-CN" altLang="en-US"/>
           </a:p>
@@ -2355,7 +2361,7 @@
           <a:p>
             <a:fld id="{996CF3AE-3C6A-49F6-9C30-FE902A68F638}" type="datetimeFigureOut">
               <a:rPr lang="zh-CN" altLang="en-US" smtClean="0"/>
-              <a:t>2022/4/18</a:t>
+              <a:t>2022/4/19</a:t>
             </a:fld>
             <a:endParaRPr lang="zh-CN" altLang="en-US"/>
           </a:p>
@@ -2568,7 +2574,7 @@
           <a:p>
             <a:fld id="{996CF3AE-3C6A-49F6-9C30-FE902A68F638}" type="datetimeFigureOut">
               <a:rPr lang="zh-CN" altLang="en-US" smtClean="0"/>
-              <a:t>2022/4/18</a:t>
+              <a:t>2022/4/19</a:t>
             </a:fld>
             <a:endParaRPr lang="zh-CN" altLang="en-US"/>
           </a:p>
@@ -3001,8 +3007,8 @@
         </p:blipFill>
         <p:spPr>
           <a:xfrm>
-            <a:off x="1596704" y="1105789"/>
-            <a:ext cx="9121348" cy="2479675"/>
+            <a:off x="804967" y="920250"/>
+            <a:ext cx="10207078" cy="2774835"/>
           </a:xfrm>
           <a:prstGeom prst="rect">
             <a:avLst/>
@@ -3126,7 +3132,7 @@
         <p:spPr>
           <a:xfrm>
             <a:off x="1149292" y="2382473"/>
-            <a:ext cx="8120543" cy="1477328"/>
+            <a:ext cx="8120543" cy="2585323"/>
           </a:xfrm>
           <a:prstGeom prst="rect">
             <a:avLst/>
@@ -3138,6 +3144,35 @@
             <a:spAutoFit/>
           </a:bodyPr>
           <a:lstStyle/>
+          <a:p>
+            <a:pPr marL="285750" indent="-285750">
+              <a:buFont typeface="Wingdings" panose="05000000000000000000" pitchFamily="2" charset="2"/>
+              <a:buChar char="Ø"/>
+            </a:pPr>
+            <a:r>
+              <a:rPr lang="en-US" altLang="zh-CN" dirty="0">
+                <a:latin typeface="Times New Roman" panose="02020603050405020304" pitchFamily="18" charset="0"/>
+                <a:cs typeface="Times New Roman" panose="02020603050405020304" pitchFamily="18" charset="0"/>
+              </a:rPr>
+              <a:t>Console / Steam like, choose your own book, games or application</a:t>
+            </a:r>
+          </a:p>
+          <a:p>
+            <a:pPr marL="285750" indent="-285750">
+              <a:buFont typeface="Wingdings" panose="05000000000000000000" pitchFamily="2" charset="2"/>
+              <a:buChar char="Ø"/>
+            </a:pPr>
+            <a:endParaRPr lang="en-US" altLang="zh-CN" dirty="0">
+              <a:latin typeface="Times New Roman" panose="02020603050405020304" pitchFamily="18" charset="0"/>
+              <a:cs typeface="Times New Roman" panose="02020603050405020304" pitchFamily="18" charset="0"/>
+            </a:endParaRPr>
+          </a:p>
+          <a:p>
+            <a:endParaRPr lang="en-US" altLang="zh-CN" dirty="0">
+              <a:latin typeface="Times New Roman" panose="02020603050405020304" pitchFamily="18" charset="0"/>
+              <a:cs typeface="Times New Roman" panose="02020603050405020304" pitchFamily="18" charset="0"/>
+            </a:endParaRPr>
+          </a:p>
           <a:p>
             <a:pPr marL="285750" indent="-285750">
               <a:buFont typeface="Wingdings" panose="05000000000000000000" pitchFamily="2" charset="2"/>
@@ -3150,6 +3185,16 @@
               </a:rPr>
               <a:t>Interactive books or games that every decision made is by yourself</a:t>
             </a:r>
+          </a:p>
+          <a:p>
+            <a:pPr marL="285750" indent="-285750">
+              <a:buFont typeface="Wingdings" panose="05000000000000000000" pitchFamily="2" charset="2"/>
+              <a:buChar char="Ø"/>
+            </a:pPr>
+            <a:endParaRPr lang="en-US" altLang="zh-CN" dirty="0">
+              <a:latin typeface="Times New Roman" panose="02020603050405020304" pitchFamily="18" charset="0"/>
+              <a:cs typeface="Times New Roman" panose="02020603050405020304" pitchFamily="18" charset="0"/>
+            </a:endParaRPr>
           </a:p>
           <a:p>
             <a:pPr marL="285750" indent="-285750">
@@ -3336,7 +3381,7 @@
                 <a:latin typeface="Times New Roman" panose="02020603050405020304" pitchFamily="18" charset="0"/>
                 <a:cs typeface="Times New Roman" panose="02020603050405020304" pitchFamily="18" charset="0"/>
               </a:rPr>
-              <a:t>Console menu to choose the game</a:t>
+              <a:t>Console menu to choose the book/game</a:t>
             </a:r>
           </a:p>
           <a:p>
@@ -3418,18 +3463,11 @@
               <a:buChar char="•"/>
             </a:pPr>
             <a:r>
-              <a:rPr lang="en-US" altLang="zh-CN" dirty="0" err="1">
-                <a:latin typeface="Times New Roman" panose="02020603050405020304" pitchFamily="18" charset="0"/>
-                <a:cs typeface="Times New Roman" panose="02020603050405020304" pitchFamily="18" charset="0"/>
-              </a:rPr>
-              <a:t>Comand</a:t>
-            </a:r>
-            <a:r>
               <a:rPr lang="en-US" altLang="zh-CN" dirty="0">
                 <a:latin typeface="Times New Roman" panose="02020603050405020304" pitchFamily="18" charset="0"/>
                 <a:cs typeface="Times New Roman" panose="02020603050405020304" pitchFamily="18" charset="0"/>
               </a:rPr>
-              <a:t> input for game like books</a:t>
+              <a:t>Command input for game like books</a:t>
             </a:r>
           </a:p>
           <a:p>
@@ -3662,7 +3700,12 @@
             <p:ph type="body" sz="half" idx="2"/>
           </p:nvPr>
         </p:nvSpPr>
-        <p:spPr/>
+        <p:spPr>
+          <a:xfrm>
+            <a:off x="839789" y="2057400"/>
+            <a:ext cx="4599074" cy="3811588"/>
+          </a:xfrm>
+        </p:spPr>
         <p:txBody>
           <a:bodyPr/>
           <a:lstStyle/>
@@ -3701,7 +3744,7 @@
           <a:p>
             <a:r>
               <a:rPr lang="en-US" altLang="zh-CN" dirty="0"/>
-              <a:t>Chosen Book	   choose other books</a:t>
+              <a:t>Chosen Book	   choose another book/game</a:t>
             </a:r>
           </a:p>
           <a:p>
@@ -4188,6 +4231,72 @@
 </file>
 
 <file path=ppt/slides/slide6.xml><?xml version="1.0" encoding="utf-8"?>
+<p:sld xmlns:a="http://schemas.openxmlformats.org/drawingml/2006/main" xmlns:r="http://schemas.openxmlformats.org/officeDocument/2006/relationships" xmlns:p="http://schemas.openxmlformats.org/presentationml/2006/main">
+  <p:cSld>
+    <p:spTree>
+      <p:nvGrpSpPr>
+        <p:cNvPr id="1" name=""/>
+        <p:cNvGrpSpPr/>
+        <p:nvPr/>
+      </p:nvGrpSpPr>
+      <p:grpSpPr>
+        <a:xfrm>
+          <a:off x="0" y="0"/>
+          <a:ext cx="0" cy="0"/>
+          <a:chOff x="0" y="0"/>
+          <a:chExt cx="0" cy="0"/>
+        </a:xfrm>
+      </p:grpSpPr>
+      <p:pic>
+        <p:nvPicPr>
+          <p:cNvPr id="3" name="图片 2">
+            <a:extLst>
+              <a:ext uri="{FF2B5EF4-FFF2-40B4-BE49-F238E27FC236}">
+                <a16:creationId xmlns:a16="http://schemas.microsoft.com/office/drawing/2014/main" id="{0ECCF467-16C4-4A2B-8BCC-1C85AF2EF972}"/>
+              </a:ext>
+            </a:extLst>
+          </p:cNvPr>
+          <p:cNvPicPr>
+            <a:picLocks noChangeAspect="1"/>
+          </p:cNvPicPr>
+          <p:nvPr/>
+        </p:nvPicPr>
+        <p:blipFill>
+          <a:blip r:embed="rId2">
+            <a:extLst>
+              <a:ext uri="{28A0092B-C50C-407E-A947-70E740481C1C}">
+                <a14:useLocalDpi xmlns:a14="http://schemas.microsoft.com/office/drawing/2010/main" val="0"/>
+              </a:ext>
+            </a:extLst>
+          </a:blip>
+          <a:stretch>
+            <a:fillRect/>
+          </a:stretch>
+        </p:blipFill>
+        <p:spPr>
+          <a:xfrm>
+            <a:off x="1057264" y="2553629"/>
+            <a:ext cx="10384555" cy="1260088"/>
+          </a:xfrm>
+          <a:prstGeom prst="rect">
+            <a:avLst/>
+          </a:prstGeom>
+        </p:spPr>
+      </p:pic>
+    </p:spTree>
+    <p:extLst>
+      <p:ext uri="{BB962C8B-B14F-4D97-AF65-F5344CB8AC3E}">
+        <p14:creationId xmlns:p14="http://schemas.microsoft.com/office/powerpoint/2010/main" val="2031996194"/>
+      </p:ext>
+    </p:extLst>
+  </p:cSld>
+  <p:clrMapOvr>
+    <a:masterClrMapping/>
+  </p:clrMapOvr>
+</p:sld>
+</file>
+
+<file path=ppt/slides/slide7.xml><?xml version="1.0" encoding="utf-8"?>
 <p:sld xmlns:a="http://schemas.openxmlformats.org/drawingml/2006/main" xmlns:r="http://schemas.openxmlformats.org/officeDocument/2006/relationships" xmlns:p="http://schemas.openxmlformats.org/presentationml/2006/main">
   <p:cSld>
     <p:spTree>

--- a/ppt/Chen_Zhang_T1A3.pptx
+++ b/ppt/Chen_Zhang_T1A3.pptx
@@ -249,7 +249,7 @@
           <a:p>
             <a:fld id="{996CF3AE-3C6A-49F6-9C30-FE902A68F638}" type="datetimeFigureOut">
               <a:rPr lang="zh-CN" altLang="en-US" smtClean="0"/>
-              <a:t>2022/4/19</a:t>
+              <a:t>2022/4/23</a:t>
             </a:fld>
             <a:endParaRPr lang="zh-CN" altLang="en-US"/>
           </a:p>
@@ -419,7 +419,7 @@
           <a:p>
             <a:fld id="{996CF3AE-3C6A-49F6-9C30-FE902A68F638}" type="datetimeFigureOut">
               <a:rPr lang="zh-CN" altLang="en-US" smtClean="0"/>
-              <a:t>2022/4/19</a:t>
+              <a:t>2022/4/23</a:t>
             </a:fld>
             <a:endParaRPr lang="zh-CN" altLang="en-US"/>
           </a:p>
@@ -599,7 +599,7 @@
           <a:p>
             <a:fld id="{996CF3AE-3C6A-49F6-9C30-FE902A68F638}" type="datetimeFigureOut">
               <a:rPr lang="zh-CN" altLang="en-US" smtClean="0"/>
-              <a:t>2022/4/19</a:t>
+              <a:t>2022/4/23</a:t>
             </a:fld>
             <a:endParaRPr lang="zh-CN" altLang="en-US"/>
           </a:p>
@@ -769,7 +769,7 @@
           <a:p>
             <a:fld id="{996CF3AE-3C6A-49F6-9C30-FE902A68F638}" type="datetimeFigureOut">
               <a:rPr lang="zh-CN" altLang="en-US" smtClean="0"/>
-              <a:t>2022/4/19</a:t>
+              <a:t>2022/4/23</a:t>
             </a:fld>
             <a:endParaRPr lang="zh-CN" altLang="en-US"/>
           </a:p>
@@ -1015,7 +1015,7 @@
           <a:p>
             <a:fld id="{996CF3AE-3C6A-49F6-9C30-FE902A68F638}" type="datetimeFigureOut">
               <a:rPr lang="zh-CN" altLang="en-US" smtClean="0"/>
-              <a:t>2022/4/19</a:t>
+              <a:t>2022/4/23</a:t>
             </a:fld>
             <a:endParaRPr lang="zh-CN" altLang="en-US"/>
           </a:p>
@@ -1247,7 +1247,7 @@
           <a:p>
             <a:fld id="{996CF3AE-3C6A-49F6-9C30-FE902A68F638}" type="datetimeFigureOut">
               <a:rPr lang="zh-CN" altLang="en-US" smtClean="0"/>
-              <a:t>2022/4/19</a:t>
+              <a:t>2022/4/23</a:t>
             </a:fld>
             <a:endParaRPr lang="zh-CN" altLang="en-US"/>
           </a:p>
@@ -1614,7 +1614,7 @@
           <a:p>
             <a:fld id="{996CF3AE-3C6A-49F6-9C30-FE902A68F638}" type="datetimeFigureOut">
               <a:rPr lang="zh-CN" altLang="en-US" smtClean="0"/>
-              <a:t>2022/4/19</a:t>
+              <a:t>2022/4/23</a:t>
             </a:fld>
             <a:endParaRPr lang="zh-CN" altLang="en-US"/>
           </a:p>
@@ -1732,7 +1732,7 @@
           <a:p>
             <a:fld id="{996CF3AE-3C6A-49F6-9C30-FE902A68F638}" type="datetimeFigureOut">
               <a:rPr lang="zh-CN" altLang="en-US" smtClean="0"/>
-              <a:t>2022/4/19</a:t>
+              <a:t>2022/4/23</a:t>
             </a:fld>
             <a:endParaRPr lang="zh-CN" altLang="en-US"/>
           </a:p>
@@ -1827,7 +1827,7 @@
           <a:p>
             <a:fld id="{996CF3AE-3C6A-49F6-9C30-FE902A68F638}" type="datetimeFigureOut">
               <a:rPr lang="zh-CN" altLang="en-US" smtClean="0"/>
-              <a:t>2022/4/19</a:t>
+              <a:t>2022/4/23</a:t>
             </a:fld>
             <a:endParaRPr lang="zh-CN" altLang="en-US"/>
           </a:p>
@@ -2104,7 +2104,7 @@
           <a:p>
             <a:fld id="{996CF3AE-3C6A-49F6-9C30-FE902A68F638}" type="datetimeFigureOut">
               <a:rPr lang="zh-CN" altLang="en-US" smtClean="0"/>
-              <a:t>2022/4/19</a:t>
+              <a:t>2022/4/23</a:t>
             </a:fld>
             <a:endParaRPr lang="zh-CN" altLang="en-US"/>
           </a:p>
@@ -2361,7 +2361,7 @@
           <a:p>
             <a:fld id="{996CF3AE-3C6A-49F6-9C30-FE902A68F638}" type="datetimeFigureOut">
               <a:rPr lang="zh-CN" altLang="en-US" smtClean="0"/>
-              <a:t>2022/4/19</a:t>
+              <a:t>2022/4/23</a:t>
             </a:fld>
             <a:endParaRPr lang="zh-CN" altLang="en-US"/>
           </a:p>
@@ -2574,7 +2574,7 @@
           <a:p>
             <a:fld id="{996CF3AE-3C6A-49F6-9C30-FE902A68F638}" type="datetimeFigureOut">
               <a:rPr lang="zh-CN" altLang="en-US" smtClean="0"/>
-              <a:t>2022/4/19</a:t>
+              <a:t>2022/4/23</a:t>
             </a:fld>
             <a:endParaRPr lang="zh-CN" altLang="en-US"/>
           </a:p>
@@ -4075,10 +4075,10 @@
       </p:grpSpPr>
       <p:pic>
         <p:nvPicPr>
-          <p:cNvPr id="3" name="图片 2">
+          <p:cNvPr id="11" name="图片 10">
             <a:extLst>
               <a:ext uri="{FF2B5EF4-FFF2-40B4-BE49-F238E27FC236}">
-                <a16:creationId xmlns:a16="http://schemas.microsoft.com/office/drawing/2014/main" id="{559B4FC0-40AF-4108-A900-75C04A1B522D}"/>
+                <a16:creationId xmlns:a16="http://schemas.microsoft.com/office/drawing/2014/main" id="{3A3C0DD9-48E2-4002-A573-BEBAAA703211}"/>
               </a:ext>
             </a:extLst>
           </p:cNvPr>
@@ -4101,8 +4101,8 @@
         </p:blipFill>
         <p:spPr>
           <a:xfrm>
-            <a:off x="700475" y="280525"/>
-            <a:ext cx="4663844" cy="1196444"/>
+            <a:off x="7347352" y="128220"/>
+            <a:ext cx="3566725" cy="7720532"/>
           </a:xfrm>
           <a:prstGeom prst="rect">
             <a:avLst/>
@@ -4111,10 +4111,10 @@
       </p:pic>
       <p:pic>
         <p:nvPicPr>
-          <p:cNvPr id="5" name="图片 4">
+          <p:cNvPr id="7" name="图片 6">
             <a:extLst>
               <a:ext uri="{FF2B5EF4-FFF2-40B4-BE49-F238E27FC236}">
-                <a16:creationId xmlns:a16="http://schemas.microsoft.com/office/drawing/2014/main" id="{F334E8BB-C5FA-4D1E-A297-195227438621}"/>
+                <a16:creationId xmlns:a16="http://schemas.microsoft.com/office/drawing/2014/main" id="{409287CA-5334-441E-9D8D-12364DA4B90C}"/>
               </a:ext>
             </a:extLst>
           </p:cNvPr>
@@ -4137,8 +4137,8 @@
         </p:blipFill>
         <p:spPr>
           <a:xfrm>
-            <a:off x="896218" y="1476969"/>
-            <a:ext cx="3440889" cy="5363449"/>
+            <a:off x="5109075" y="304389"/>
+            <a:ext cx="7082925" cy="1172580"/>
           </a:xfrm>
           <a:prstGeom prst="rect">
             <a:avLst/>
@@ -4147,10 +4147,10 @@
       </p:pic>
       <p:pic>
         <p:nvPicPr>
-          <p:cNvPr id="11" name="图片 10">
+          <p:cNvPr id="8" name="图片 7">
             <a:extLst>
               <a:ext uri="{FF2B5EF4-FFF2-40B4-BE49-F238E27FC236}">
-                <a16:creationId xmlns:a16="http://schemas.microsoft.com/office/drawing/2014/main" id="{3A3C0DD9-48E2-4002-A573-BEBAAA703211}"/>
+                <a16:creationId xmlns:a16="http://schemas.microsoft.com/office/drawing/2014/main" id="{E738911F-2189-4B1C-951D-E6031F808A6E}"/>
               </a:ext>
             </a:extLst>
           </p:cNvPr>
@@ -4173,8 +4173,8 @@
         </p:blipFill>
         <p:spPr>
           <a:xfrm>
-            <a:off x="7347352" y="128220"/>
-            <a:ext cx="3566725" cy="7720532"/>
+            <a:off x="497434" y="401444"/>
+            <a:ext cx="3740029" cy="8095666"/>
           </a:xfrm>
           <a:prstGeom prst="rect">
             <a:avLst/>
@@ -4183,10 +4183,10 @@
       </p:pic>
       <p:pic>
         <p:nvPicPr>
-          <p:cNvPr id="7" name="图片 6">
+          <p:cNvPr id="4" name="图片 3">
             <a:extLst>
               <a:ext uri="{FF2B5EF4-FFF2-40B4-BE49-F238E27FC236}">
-                <a16:creationId xmlns:a16="http://schemas.microsoft.com/office/drawing/2014/main" id="{409287CA-5334-441E-9D8D-12364DA4B90C}"/>
+                <a16:creationId xmlns:a16="http://schemas.microsoft.com/office/drawing/2014/main" id="{9EFC7389-BA8F-4A60-A7A7-7687D36626C0}"/>
               </a:ext>
             </a:extLst>
           </p:cNvPr>
@@ -4209,8 +4209,8 @@
         </p:blipFill>
         <p:spPr>
           <a:xfrm>
-            <a:off x="5109075" y="304389"/>
-            <a:ext cx="7082925" cy="1172580"/>
+            <a:off x="185256" y="0"/>
+            <a:ext cx="4862811" cy="1766593"/>
           </a:xfrm>
           <a:prstGeom prst="rect">
             <a:avLst/>
